--- a/python_study/project_python/파이썬_프로젝트2/파이선발표.pptx
+++ b/python_study/project_python/파이썬_프로젝트2/파이선발표.pptx
@@ -2,8 +2,8 @@
 <file path=ppt/presentation.xml><?xml version="1.0" encoding="utf-8"?>
 <p:presentation xmlns:a="http://schemas.openxmlformats.org/drawingml/2006/main" xmlns:p="http://schemas.openxmlformats.org/presentationml/2006/main" xmlns:r="http://schemas.openxmlformats.org/officeDocument/2006/relationships" xmlns:p14="http://schemas.microsoft.com/office/powerpoint/2010/main" xmlns:p15="http://schemas.microsoft.com/office/powerpoint/2012/main" xmlns:mc="http://schemas.openxmlformats.org/markup-compatibility/2006">
   <p:sldMasterIdLst>
-    <p:sldMasterId id="2147483736" r:id="rId3"/>
-    <p:sldMasterId id="2147483737" r:id="rId5"/>
+    <p:sldMasterId id="2147483748" r:id="rId3"/>
+    <p:sldMasterId id="2147483749" r:id="rId5"/>
   </p:sldMasterIdLst>
   <p:sldIdLst>
     <p:sldId id="256" r:id="rId7"/>
@@ -5463,14 +5463,14 @@
       </p:grpSpPr>
       <p:pic>
         <p:nvPicPr>
-          <p:cNvPr id="97" name="그림 49" descr="C:/Users/adad4/AppData/Roaming/PolarisOffice/ETemp/5564_11139096/fImage382761691478.png"/>
+          <p:cNvPr id="97" name="그림 26" descr="C:/Users/adad4/AppData/Roaming/PolarisOffice/ETemp/18704_22279144/fImage3827619541.png"/>
           <p:cNvPicPr>
             <a:picLocks noChangeAspect="1"/>
           </p:cNvPicPr>
           <p:nvPr/>
         </p:nvPicPr>
         <p:blipFill rotWithShape="1">
-          <a:blip r:embed="rId3" cstate="print">
+          <a:blip r:embed="rId4" cstate="print">
             <a:extLst>
               <a:ext uri="{28A0092B-C50C-407E-A947-70E740481C1C}">
                 <a14:useLocalDpi xmlns:a14="http://schemas.microsoft.com/office/drawing/2010/main" val="0"/>
@@ -5483,8 +5483,8 @@
         </p:blipFill>
         <p:spPr>
           <a:xfrm rot="0">
-            <a:off x="-635" y="1270"/>
-            <a:ext cx="6115685" cy="5692140"/>
+            <a:off x="-29845" y="1270"/>
+            <a:ext cx="6083300" cy="5667375"/>
           </a:xfrm>
           <a:prstGeom prst="rect"/>
           <a:noFill/>
@@ -8037,9 +8037,9 @@
           </p:nvPr>
         </p:nvSpPr>
         <p:spPr>
-          <a:xfrm rot="0">
+          <a:xfrm>
             <a:off x="666115" y="1638935"/>
-            <a:ext cx="9072245" cy="3618865"/>
+            <a:ext cx="9072880" cy="3619500"/>
           </a:xfrm>
           <a:prstGeom prst="rect"/>
           <a:noFill/>
@@ -8067,51 +8067,6 @@
                 <a:tab pos="0" algn="l"/>
               </a:tabLst>
             </a:pPr>
-            <a:r>
-              <a:rPr lang="ko-KR" altLang="en-US" sz="2200" b="0" strike="noStrike">
-                <a:solidFill>
-                  <a:srgbClr val="000000"/>
-                </a:solidFill>
-                <a:latin typeface="나눔고딕" charset="0"/>
-              </a:rPr>
-              <a:t>1</a:t>
-            </a:r>
-            <a:r>
-              <a:rPr lang="ko-KR" altLang="en-US" sz="2200" b="0" strike="noStrike">
-                <a:solidFill>
-                  <a:srgbClr val="000000"/>
-                </a:solidFill>
-                <a:latin typeface="나눔고딕" charset="0"/>
-              </a:rPr>
-              <a:t>. </a:t>
-            </a:r>
-            <a:r>
-              <a:rPr lang="ko-KR" altLang="en-US" sz="2200" b="0" strike="noStrike">
-                <a:solidFill>
-                  <a:srgbClr val="000000"/>
-                </a:solidFill>
-                <a:latin typeface="나눔고딕" charset="0"/>
-              </a:rPr>
-              <a:t>팀 </a:t>
-            </a:r>
-            <a:r>
-              <a:rPr lang="ko-KR" altLang="en-US" sz="2200" b="0" strike="noStrike">
-                <a:solidFill>
-                  <a:srgbClr val="000000"/>
-                </a:solidFill>
-                <a:latin typeface="나눔고딕" charset="0"/>
-              </a:rPr>
-              <a:t>소</a:t>
-            </a:r>
-            <a:r>
-              <a:rPr lang="ko-KR" altLang="en-US" sz="2200" b="0" strike="noStrike">
-                <a:solidFill>
-                  <a:srgbClr val="000000"/>
-                </a:solidFill>
-                <a:latin typeface="나눔고딕" charset="0"/>
-              </a:rPr>
-              <a:t>개</a:t>
-            </a:r>
             <a:endParaRPr lang="ko-KR" altLang="en-US" sz="2200" b="0" strike="noStrike">
               <a:solidFill>
                 <a:srgbClr val="000000"/>
@@ -8134,58 +8089,13 @@
               </a:tabLst>
             </a:pPr>
             <a:r>
-              <a:rPr lang="ko-KR" sz="2200" b="0" strike="noStrike">
-                <a:solidFill>
-                  <a:srgbClr val="000000"/>
-                </a:solidFill>
-                <a:latin typeface="나눔고딕" charset="0"/>
-              </a:rPr>
-              <a:t>2</a:t>
-            </a:r>
-            <a:r>
-              <a:rPr lang="en-US" sz="2200" b="0" strike="noStrike">
-                <a:solidFill>
-                  <a:srgbClr val="000000"/>
-                </a:solidFill>
-                <a:latin typeface="나눔고딕" charset="0"/>
-              </a:rPr>
-              <a:t>. 1</a:t>
-            </a:r>
-            <a:r>
-              <a:rPr lang="ko-KR" sz="2200" b="0" strike="noStrike">
-                <a:solidFill>
-                  <a:srgbClr val="000000"/>
-                </a:solidFill>
-                <a:latin typeface="나눔고딕" charset="0"/>
-              </a:rPr>
-              <a:t>차 프로젝트의 산출물</a:t>
-            </a:r>
-            <a:r>
-              <a:rPr lang="en-US" sz="2200" b="0" strike="noStrike">
-                <a:solidFill>
-                  <a:srgbClr val="000000"/>
-                </a:solidFill>
-                <a:latin typeface="나눔고딕" charset="0"/>
-              </a:rPr>
-              <a:t>, </a:t>
-            </a:r>
-            <a:r>
-              <a:rPr lang="ko-KR" sz="2200" b="0" strike="noStrike">
-                <a:solidFill>
-                  <a:srgbClr val="000000"/>
-                </a:solidFill>
-                <a:latin typeface="나눔고딕" charset="0"/>
-              </a:rPr>
-              <a:t>사용할 </a:t>
-            </a:r>
-            <a:r>
-              <a:rPr lang="ko-KR" sz="2200" b="0" strike="noStrike">
-                <a:solidFill>
-                  <a:srgbClr val="000000"/>
-                </a:solidFill>
-                <a:latin typeface="나눔고딕" charset="0"/>
-              </a:rPr>
-              <a:t>라이브러리</a:t>
+              <a:rPr lang="ko-KR" altLang="en-US" sz="2200" b="0" strike="noStrike">
+                <a:solidFill>
+                  <a:srgbClr val="000000"/>
+                </a:solidFill>
+                <a:latin typeface="나눔고딕" charset="0"/>
+              </a:rPr>
+              <a:t>1. 팀 소개</a:t>
             </a:r>
             <a:endParaRPr lang="ko-KR" altLang="en-US" sz="2200" b="0" strike="noStrike">
               <a:solidFill>
@@ -8215,7 +8125,7 @@
                 </a:solidFill>
                 <a:latin typeface="나눔고딕" charset="0"/>
               </a:rPr>
-              <a:t>3</a:t>
+              <a:t>2</a:t>
             </a:r>
             <a:r>
               <a:rPr lang="en-US" sz="2200" b="0" strike="noStrike">
@@ -8224,27 +8134,36 @@
                 </a:solidFill>
                 <a:latin typeface="나눔고딕" charset="0"/>
               </a:rPr>
-              <a:t>.</a:t>
-            </a:r>
-            <a:r>
-              <a:rPr lang="en-US" sz="2000" b="0" strike="noStrike">
-                <a:solidFill>
-                  <a:srgbClr val="000000"/>
-                </a:solidFill>
-                <a:latin typeface="나눔고딕" charset="0"/>
-              </a:rPr>
-              <a:t> </a:t>
-            </a:r>
-            <a:r>
-              <a:rPr lang="ko-KR" sz="1800" b="0" strike="noStrike">
-                <a:solidFill>
-                  <a:srgbClr val="000000"/>
-                </a:solidFill>
-                <a:latin typeface="나눔고딕" charset="0"/>
-              </a:rPr>
-              <a:t>테이블 생성을 위한 쿼리문 작성 및 데이터 삽입을 위한 작업</a:t>
-            </a:r>
-            <a:endParaRPr lang="ko-KR" altLang="en-US" sz="2000" b="0" strike="noStrike">
+              <a:t>. 1</a:t>
+            </a:r>
+            <a:r>
+              <a:rPr lang="ko-KR" sz="2200" b="0" strike="noStrike">
+                <a:solidFill>
+                  <a:srgbClr val="000000"/>
+                </a:solidFill>
+                <a:latin typeface="나눔고딕" charset="0"/>
+              </a:rPr>
+              <a:t>차 프로젝트의 산출물</a:t>
+            </a:r>
+            <a:r>
+              <a:rPr lang="en-US" sz="2200" b="0" strike="noStrike">
+                <a:solidFill>
+                  <a:srgbClr val="000000"/>
+                </a:solidFill>
+                <a:latin typeface="나눔고딕" charset="0"/>
+              </a:rPr>
+              <a:t>, </a:t>
+            </a:r>
+            <a:r>
+              <a:rPr lang="ko-KR" sz="2200" b="0" strike="noStrike">
+                <a:solidFill>
+                  <a:srgbClr val="000000"/>
+                </a:solidFill>
+                <a:latin typeface="나눔고딕" charset="0"/>
+              </a:rPr>
+              <a:t>사용할 라이브러리</a:t>
+            </a:r>
+            <a:endParaRPr lang="ko-KR" altLang="en-US" sz="2200" b="0" strike="noStrike">
               <a:solidFill>
                 <a:srgbClr val="000000"/>
               </a:solidFill>
@@ -8272,7 +8191,7 @@
                 </a:solidFill>
                 <a:latin typeface="나눔고딕" charset="0"/>
               </a:rPr>
-              <a:t>4</a:t>
+              <a:t>3</a:t>
             </a:r>
             <a:r>
               <a:rPr lang="en-US" sz="2200" b="0" strike="noStrike">
@@ -8281,18 +8200,27 @@
                 </a:solidFill>
                 <a:latin typeface="나눔고딕" charset="0"/>
               </a:rPr>
-              <a:t>. </a:t>
-            </a:r>
-            <a:r>
-              <a:rPr lang="ko-KR" sz="2200" b="0" strike="noStrike">
-                <a:solidFill>
-                  <a:srgbClr val="000000"/>
-                </a:solidFill>
-                <a:latin typeface="나눔고딕" charset="0"/>
-              </a:rPr>
-              <a:t>함수 선언</a:t>
-            </a:r>
-            <a:endParaRPr lang="ko-KR" altLang="en-US" sz="2200" b="0" strike="noStrike">
+              <a:t>.</a:t>
+            </a:r>
+            <a:r>
+              <a:rPr lang="en-US" sz="2000" b="0" strike="noStrike">
+                <a:solidFill>
+                  <a:srgbClr val="000000"/>
+                </a:solidFill>
+                <a:latin typeface="나눔고딕" charset="0"/>
+              </a:rPr>
+              <a:t> </a:t>
+            </a:r>
+            <a:r>
+              <a:rPr lang="ko-KR" sz="1800" b="0" strike="noStrike">
+                <a:solidFill>
+                  <a:srgbClr val="000000"/>
+                </a:solidFill>
+                <a:latin typeface="나눔고딕" charset="0"/>
+              </a:rPr>
+              <a:t>테이블 생성을 위한 쿼리문 작성 및 데이터 삽입을 위한 작업</a:t>
+            </a:r>
+            <a:endParaRPr lang="ko-KR" altLang="en-US" sz="1800" b="0" strike="noStrike">
               <a:solidFill>
                 <a:srgbClr val="000000"/>
               </a:solidFill>
@@ -8320,7 +8248,7 @@
                 </a:solidFill>
                 <a:latin typeface="나눔고딕" charset="0"/>
               </a:rPr>
-              <a:t>5</a:t>
+              <a:t>4</a:t>
             </a:r>
             <a:r>
               <a:rPr lang="en-US" sz="2200" b="0" strike="noStrike">
@@ -8338,7 +8266,7 @@
                 </a:solidFill>
                 <a:latin typeface="나눔고딕" charset="0"/>
               </a:rPr>
-              <a:t>실행 및 결과</a:t>
+              <a:t>함수 선언 및 </a:t>
             </a:r>
             <a:r>
               <a:rPr lang="ko-KR" sz="2200" b="0" strike="noStrike">
@@ -8347,7 +8275,7 @@
                 </a:solidFill>
                 <a:latin typeface="나눔고딕" charset="0"/>
               </a:rPr>
-              <a:t>물</a:t>
+              <a:t>실행</a:t>
             </a:r>
             <a:r>
               <a:rPr lang="ko-KR" sz="2200" b="0" strike="noStrike">
@@ -8356,7 +8284,16 @@
                 </a:solidFill>
                 <a:latin typeface="나눔고딕" charset="0"/>
               </a:rPr>
-              <a:t> 확인</a:t>
+              <a:t>,</a:t>
+            </a:r>
+            <a:r>
+              <a:rPr lang="ko-KR" sz="2200" b="0" strike="noStrike">
+                <a:solidFill>
+                  <a:srgbClr val="000000"/>
+                </a:solidFill>
+                <a:latin typeface="나눔고딕" charset="0"/>
+              </a:rPr>
+              <a:t> 결과물 확인</a:t>
             </a:r>
             <a:endParaRPr lang="ko-KR" altLang="en-US" sz="2200" b="0" strike="noStrike">
               <a:solidFill>
@@ -8386,7 +8323,7 @@
                 </a:solidFill>
                 <a:latin typeface="나눔고딕" charset="0"/>
               </a:rPr>
-              <a:t>6</a:t>
+              <a:t>5</a:t>
             </a:r>
             <a:r>
               <a:rPr lang="ko-KR" sz="2200" b="0" strike="noStrike">
@@ -8425,7 +8362,7 @@
                 </a:solidFill>
                 <a:latin typeface="나눔고딕" charset="0"/>
               </a:rPr>
-              <a:t>7</a:t>
+              <a:t>6</a:t>
             </a:r>
             <a:r>
               <a:rPr lang="ko-KR" sz="2200" b="0" strike="noStrike">
@@ -11224,7 +11161,7 @@
 </file>
 
 <file path=ppt/slides/slide3.xml><?xml version="1.0" encoding="utf-8"?>
-<p:sld xmlns:a="http://schemas.openxmlformats.org/drawingml/2006/main" xmlns:r="http://schemas.openxmlformats.org/officeDocument/2006/relationships" xmlns:p="http://schemas.openxmlformats.org/presentationml/2006/main">
+<p:sld xmlns:a="http://schemas.openxmlformats.org/drawingml/2006/main" xmlns:r="http://schemas.openxmlformats.org/officeDocument/2006/relationships" xmlns:p="http://schemas.openxmlformats.org/presentationml/2006/main" xmlns:p14="http://schemas.microsoft.com/office/powerpoint/2010/main">
   <p:cSld>
     <p:spTree>
       <p:nvGrpSpPr>
@@ -11251,9 +11188,9 @@
           </p:nvPr>
         </p:nvSpPr>
         <p:spPr>
-          <a:xfrm rot="0">
+          <a:xfrm>
             <a:off x="1012190" y="718820"/>
-            <a:ext cx="9071610" cy="946785"/>
+            <a:ext cx="9072245" cy="947420"/>
           </a:xfrm>
           <a:prstGeom prst="rect"/>
           <a:noFill/>
@@ -11268,10 +11205,25 @@
           </a:bodyPr>
           <a:lstStyle/>
           <a:p>
-            <a:pPr marL="0" indent="0" rtl="0"/>
+            <a:pPr marL="0" indent="0" rtl="0">
+              <a:buFontTx/>
+              <a:buNone/>
+            </a:pPr>
             <a:r>
               <a:rPr lang="ko-KR" sz="2400"/>
               <a:t>팀소개</a:t>
+            </a:r>
+            <a:r>
+              <a:rPr lang="ko-KR" sz="2400"/>
+              <a:t> 및 </a:t>
+            </a:r>
+            <a:r>
+              <a:rPr lang="ko-KR" sz="2400"/>
+              <a:t>역</a:t>
+            </a:r>
+            <a:r>
+              <a:rPr lang="ko-KR" sz="2400"/>
+              <a:t>할</a:t>
             </a:r>
             <a:endParaRPr lang="ko-KR" altLang="en-US" sz="2400"/>
           </a:p>
@@ -11678,7 +11630,7 @@
         </p:grpSpPr>
         <p:pic>
           <p:nvPicPr>
-            <p:cNvPr id="20" name="그림 63" descr="C:/Users/adad4/AppData/Roaming/PolarisOffice/ETemp/5564_11139096/fImage3300418341.png"/>
+            <p:cNvPr id="20" name="그림 63"/>
             <p:cNvPicPr>
               <a:picLocks noChangeAspect="1"/>
             </p:cNvPicPr>
@@ -11724,7 +11676,7 @@
         </p:grpSpPr>
         <p:pic>
           <p:nvPicPr>
-            <p:cNvPr id="22" name="그림 65" descr="C:/Users/adad4/AppData/Roaming/PolarisOffice/ETemp/5564_11139096/fImage219221858467.png"/>
+            <p:cNvPr id="22" name="그림 65"/>
             <p:cNvPicPr>
               <a:picLocks noChangeAspect="1"/>
             </p:cNvPicPr>
@@ -11770,7 +11722,7 @@
         </p:grpSpPr>
         <p:pic>
           <p:nvPicPr>
-            <p:cNvPr id="24" name="그림 67" descr="C:/Users/adad4/AppData/Roaming/PolarisOffice/ETemp/5564_11139096/fImage183281876334.png"/>
+            <p:cNvPr id="24" name="그림 67"/>
             <p:cNvPicPr>
               <a:picLocks noChangeAspect="1"/>
             </p:cNvPicPr>
@@ -11800,7 +11752,7 @@
       </p:grpSp>
       <p:pic>
         <p:nvPicPr>
-          <p:cNvPr id="25" name="그림 77" descr="C:/Users/adad4/AppData/Roaming/PolarisOffice/ETemp/5564_11139096/fImage183281976500.png"/>
+          <p:cNvPr id="25" name="그림 77"/>
           <p:cNvPicPr>
             <a:picLocks noChangeAspect="1"/>
           </p:cNvPicPr>
@@ -11829,7 +11781,7 @@
       </p:pic>
       <p:pic>
         <p:nvPicPr>
-          <p:cNvPr id="26" name="그림 78" descr="C:/Users/adad4/AppData/Roaming/PolarisOffice/ETemp/5564_11139096/fImage183891989169.png"/>
+          <p:cNvPr id="26" name="그림 78"/>
           <p:cNvPicPr>
             <a:picLocks noChangeAspect="1"/>
           </p:cNvPicPr>
@@ -11920,63 +11872,7 @@
         <p:cTn id="1" dur="indefinite" restart="never" nodeType="tmRoot">
           <p:childTnLst>
             <p:seq concurrent="1" nextAc="seek">
-              <p:cTn id="2" dur="indefinite" nodeType="mainSeq">
-                <p:childTnLst>
-                  <p:par>
-                    <p:cTn id="3" fill="hold">
-                      <p:stCondLst>
-                        <p:cond delay="indefinite"/>
-                      </p:stCondLst>
-                      <p:childTnLst>
-                        <p:par>
-                          <p:cTn id="4" fill="hold">
-                            <p:stCondLst>
-                              <p:cond delay="0"/>
-                            </p:stCondLst>
-                            <p:childTnLst>
-                              <p:par>
-                                <p:cTn id="5" presetID="10" presetClass="entr" presetSubtype="0" fill="hold" grpId="0" nodeType="clickEffect">
-                                  <p:stCondLst>
-                                    <p:cond delay="0"/>
-                                  </p:stCondLst>
-                                  <p:childTnLst>
-                                    <p:set>
-                                      <p:cBhvr>
-                                        <p:cTn id="6" dur="1" fill="hold">
-                                          <p:stCondLst>
-                                            <p:cond delay="0"/>
-                                          </p:stCondLst>
-                                        </p:cTn>
-                                        <p:tgtEl>
-                                          <p:spTgt spid="23"/>
-                                        </p:tgtEl>
-                                        <p:attrNameLst>
-                                          <p:attrName>style.visibility</p:attrName>
-                                        </p:attrNameLst>
-                                      </p:cBhvr>
-                                      <p:to>
-                                        <p:strVal val="visible"/>
-                                      </p:to>
-                                    </p:set>
-                                    <p:animEffect transition="in" filter="fade">
-                                      <p:cBhvr>
-                                        <p:cTn id="7" dur="500"/>
-                                        <p:tgtEl>
-                                          <p:spTgt spid="23"/>
-                                        </p:tgtEl>
-                                      </p:cBhvr>
-                                    </p:animEffect>
-                                  </p:childTnLst>
-                                </p:cTn>
-                              </p:par>
-                            </p:childTnLst>
-                          </p:cTn>
-                        </p:par>
-                      </p:childTnLst>
-                    </p:cTn>
-                  </p:par>
-                </p:childTnLst>
-              </p:cTn>
+              <p:cTn id="2" dur="indefinite" nodeType="mainSeq"/>
               <p:prevCondLst>
                 <p:cond evt="onPrev" delay="0">
                   <p:tgtEl>
@@ -11996,9 +11892,6 @@
         </p:cTn>
       </p:par>
     </p:tnLst>
-    <p:bldLst>
-      <p:bldP spid="23" grpId="0" animBg="1"/>
-    </p:bldLst>
   </p:timing>
 </p:sld>
 </file>
